--- a/Zwischenpräsentation.pptx
+++ b/Zwischenpräsentation.pptx
@@ -3162,7 +3162,7 @@
           <a:p>
             <a:r>
               <a:rPr lang="de-DE" dirty="0" err="1"/>
-              <a:t>Recomendar</a:t>
+              <a:t>Recommender</a:t>
             </a:r>
             <a:r>
               <a:rPr lang="de-DE" dirty="0"/>
@@ -3233,11 +3233,11 @@
           <a:p>
             <a:r>
               <a:rPr lang="de-DE" dirty="0" err="1"/>
-              <a:t>Recomendar</a:t>
+              <a:t>Recommender</a:t>
             </a:r>
             <a:r>
               <a:rPr lang="de-DE" dirty="0"/>
-              <a:t>-Funktion:</a:t>
+              <a:t>-Funktion :</a:t>
             </a:r>
           </a:p>
         </p:txBody>
@@ -3405,7 +3405,7 @@
           <p:nvPr>
             <p:extLst>
               <p:ext uri="{D42A27DB-BD31-4B8C-83A1-F6EECF244321}">
-                <p14:modId xmlns:p14="http://schemas.microsoft.com/office/powerpoint/2010/main" val="915234592"/>
+                <p14:modId xmlns:p14="http://schemas.microsoft.com/office/powerpoint/2010/main" val="3380861345"/>
               </p:ext>
             </p:extLst>
           </p:nvPr>
@@ -3556,7 +3556,7 @@
                     <a:p>
                       <a:r>
                         <a:rPr lang="de-DE" dirty="0"/>
-                        <a:t>5-6 Punkte</a:t>
+                        <a:t>4-5 Punkte</a:t>
                       </a:r>
                     </a:p>
                   </a:txBody>
@@ -3589,7 +3589,7 @@
                     <a:p>
                       <a:r>
                         <a:rPr lang="de-DE" dirty="0"/>
-                        <a:t>4-5 Punkte</a:t>
+                        <a:t>2-3 Punkte</a:t>
                       </a:r>
                     </a:p>
                   </a:txBody>
@@ -3622,7 +3622,7 @@
                     <a:p>
                       <a:r>
                         <a:rPr lang="de-DE" dirty="0"/>
-                        <a:t>0 Punkt</a:t>
+                        <a:t>0 Punkte</a:t>
                       </a:r>
                     </a:p>
                   </a:txBody>
@@ -3726,7 +3726,7 @@
             <a:pPr lvl="1"/>
             <a:r>
               <a:rPr lang="de-DE" dirty="0"/>
-              <a:t>Die Songs, die nur einmal von einem User gehört wurden, als nicht mag betrachten</a:t>
+              <a:t>Die Songs, die nur einmal von einem User gehört wurden, als „nicht gemocht“ betrachten</a:t>
             </a:r>
             <a:br>
               <a:rPr lang="de-DE" dirty="0"/>
@@ -3759,7 +3759,7 @@
               <a:rPr lang="de-DE" sz="2400" dirty="0">
                 <a:sym typeface="Wingdings" panose="05000000000000000000" pitchFamily="2" charset="2"/>
               </a:rPr>
-              <a:t>Schlecht, die nicht gemochte Songs haben bei der „Stichprobe“ durchschnittlich mehr als 9 Punkte </a:t>
+              <a:t>Deutlich verbesserungswürdig – die nicht gemochten Songs haben nur etwas weniger Punkte als die gemochten</a:t>
             </a:r>
             <a:endParaRPr lang="de-DE" sz="2400" dirty="0"/>
           </a:p>
@@ -3811,7 +3811,7 @@
             <p:ph idx="1"/>
             <p:extLst>
               <p:ext uri="{D42A27DB-BD31-4B8C-83A1-F6EECF244321}">
-                <p14:modId xmlns:p14="http://schemas.microsoft.com/office/powerpoint/2010/main" val="495617577"/>
+                <p14:modId xmlns:p14="http://schemas.microsoft.com/office/powerpoint/2010/main" val="88424243"/>
               </p:ext>
             </p:extLst>
           </p:nvPr>
@@ -3967,7 +3967,7 @@
                     <a:p>
                       <a:r>
                         <a:rPr lang="de-DE" dirty="0"/>
-                        <a:t>10</a:t>
+                        <a:t>7</a:t>
                       </a:r>
                     </a:p>
                   </a:txBody>
@@ -3997,7 +3997,7 @@
                       </a:pPr>
                       <a:r>
                         <a:rPr lang="de-DE" dirty="0"/>
-                        <a:t>9.398</a:t>
+                        <a:t>9.23</a:t>
                       </a:r>
                     </a:p>
                   </a:txBody>
@@ -4010,7 +4010,7 @@
                     <a:p>
                       <a:r>
                         <a:rPr lang="de-DE" dirty="0"/>
-                        <a:t>95.392%</a:t>
+                        <a:t>91.55%</a:t>
                       </a:r>
                     </a:p>
                   </a:txBody>
@@ -4023,7 +4023,7 @@
                     <a:p>
                       <a:r>
                         <a:rPr lang="de-DE" dirty="0"/>
-                        <a:t>9.680</a:t>
+                        <a:t>9.14</a:t>
                       </a:r>
                     </a:p>
                   </a:txBody>
@@ -4036,7 +4036,7 @@
                     <a:p>
                       <a:r>
                         <a:rPr lang="de-DE" dirty="0"/>
-                        <a:t>99.539%</a:t>
+                        <a:t>90.09%</a:t>
                       </a:r>
                     </a:p>
                   </a:txBody>
@@ -4056,7 +4056,7 @@
                     <a:p>
                       <a:r>
                         <a:rPr lang="de-DE" dirty="0"/>
-                        <a:t>25</a:t>
+                        <a:t>10</a:t>
                       </a:r>
                     </a:p>
                   </a:txBody>
@@ -4067,9 +4067,26 @@
                     <a:bodyPr/>
                     <a:lstStyle/>
                     <a:p>
+                      <a:pPr marL="0" marR="0" lvl="0" indent="0" algn="l" defTabSz="914400" rtl="0" eaLnBrk="1" fontAlgn="auto" latinLnBrk="0" hangingPunct="1">
+                        <a:lnSpc>
+                          <a:spcPct val="100000"/>
+                        </a:lnSpc>
+                        <a:spcBef>
+                          <a:spcPts val="0"/>
+                        </a:spcBef>
+                        <a:spcAft>
+                          <a:spcPts val="0"/>
+                        </a:spcAft>
+                        <a:buClrTx/>
+                        <a:buSzTx/>
+                        <a:buFontTx/>
+                        <a:buNone/>
+                        <a:tabLst/>
+                        <a:defRPr/>
+                      </a:pPr>
                       <a:r>
                         <a:rPr lang="de-DE" dirty="0"/>
-                        <a:t>8.486</a:t>
+                        <a:t>8.78</a:t>
                       </a:r>
                     </a:p>
                   </a:txBody>
@@ -4082,7 +4099,7 @@
                     <a:p>
                       <a:r>
                         <a:rPr lang="de-DE" dirty="0"/>
-                        <a:t>82.488%</a:t>
+                        <a:t>88.63%</a:t>
                       </a:r>
                     </a:p>
                   </a:txBody>
@@ -4095,7 +4112,7 @@
                     <a:p>
                       <a:r>
                         <a:rPr lang="de-DE" dirty="0"/>
-                        <a:t>9.261</a:t>
+                        <a:t>8.86</a:t>
                       </a:r>
                     </a:p>
                   </a:txBody>
@@ -4108,7 +4125,7 @@
                     <a:p>
                       <a:r>
                         <a:rPr lang="de-DE" dirty="0"/>
-                        <a:t>92.627%</a:t>
+                        <a:t>89.80%</a:t>
                       </a:r>
                     </a:p>
                   </a:txBody>
@@ -4128,7 +4145,7 @@
                     <a:p>
                       <a:r>
                         <a:rPr lang="de-DE" dirty="0"/>
-                        <a:t>35</a:t>
+                        <a:t>25</a:t>
                       </a:r>
                     </a:p>
                   </a:txBody>
@@ -4141,7 +4158,7 @@
                     <a:p>
                       <a:r>
                         <a:rPr lang="de-DE" dirty="0"/>
-                        <a:t>8.396</a:t>
+                        <a:t>8.19</a:t>
                       </a:r>
                     </a:p>
                   </a:txBody>
@@ -4154,7 +4171,7 @@
                     <a:p>
                       <a:r>
                         <a:rPr lang="de-DE" dirty="0"/>
-                        <a:t>79.263%</a:t>
+                        <a:t>78.43%</a:t>
                       </a:r>
                     </a:p>
                   </a:txBody>
@@ -4167,7 +4184,7 @@
                     <a:p>
                       <a:r>
                         <a:rPr lang="de-DE" dirty="0"/>
-                        <a:t>9.382</a:t>
+                        <a:t>7.88</a:t>
                       </a:r>
                     </a:p>
                   </a:txBody>
@@ -4180,7 +4197,7 @@
                     <a:p>
                       <a:r>
                         <a:rPr lang="de-DE" dirty="0"/>
-                        <a:t>95.392%</a:t>
+                        <a:t>73.76%</a:t>
                       </a:r>
                     </a:p>
                   </a:txBody>
@@ -4200,7 +4217,7 @@
                     <a:p>
                       <a:r>
                         <a:rPr lang="de-DE" dirty="0"/>
-                        <a:t>50</a:t>
+                        <a:t>35</a:t>
                       </a:r>
                     </a:p>
                   </a:txBody>
@@ -4213,7 +4230,7 @@
                     <a:p>
                       <a:r>
                         <a:rPr lang="de-DE" dirty="0"/>
-                        <a:t>7.821</a:t>
+                        <a:t>7.89</a:t>
                       </a:r>
                     </a:p>
                   </a:txBody>
@@ -4226,7 +4243,7 @@
                     <a:p>
                       <a:r>
                         <a:rPr lang="de-DE" dirty="0"/>
-                        <a:t>71.429%</a:t>
+                        <a:t>71.72%</a:t>
                       </a:r>
                     </a:p>
                   </a:txBody>
@@ -4239,7 +4256,7 @@
                     <a:p>
                       <a:r>
                         <a:rPr lang="de-DE" dirty="0"/>
-                        <a:t>9.113</a:t>
+                        <a:t>7.57</a:t>
                       </a:r>
                     </a:p>
                   </a:txBody>
@@ -4252,7 +4269,7 @@
                     <a:p>
                       <a:r>
                         <a:rPr lang="de-DE" dirty="0"/>
-                        <a:t>91.705%</a:t>
+                        <a:t>66.47%</a:t>
                       </a:r>
                     </a:p>
                   </a:txBody>
@@ -4285,7 +4302,7 @@
                     <a:p>
                       <a:r>
                         <a:rPr lang="de-DE" dirty="0"/>
-                        <a:t>7.168</a:t>
+                        <a:t>6.61</a:t>
                       </a:r>
                     </a:p>
                   </a:txBody>
@@ -4298,7 +4315,7 @@
                     <a:p>
                       <a:r>
                         <a:rPr lang="de-DE" dirty="0"/>
-                        <a:t>61.751%</a:t>
+                        <a:t>52.48%</a:t>
                       </a:r>
                     </a:p>
                   </a:txBody>
@@ -4311,7 +4328,7 @@
                     <a:p>
                       <a:r>
                         <a:rPr lang="de-DE" dirty="0"/>
-                        <a:t>8.418</a:t>
+                        <a:t>6.58</a:t>
                       </a:r>
                     </a:p>
                   </a:txBody>
@@ -4324,7 +4341,7 @@
                     <a:p>
                       <a:r>
                         <a:rPr lang="de-DE" dirty="0"/>
-                        <a:t>79.724%</a:t>
+                        <a:t>53.94%</a:t>
                       </a:r>
                     </a:p>
                   </a:txBody>
@@ -4564,7 +4581,7 @@
         </p:spPr>
         <p:txBody>
           <a:bodyPr vert="horz" lIns="91440" tIns="45720" rIns="91440" bIns="45720" rtlCol="0">
-            <a:normAutofit fontScale="92500"/>
+            <a:normAutofit fontScale="92500" lnSpcReduction="20000"/>
           </a:bodyPr>
           <a:lstStyle>
             <a:lvl1pPr marL="228600" indent="-228600" algn="l" defTabSz="914400" rtl="0" eaLnBrk="1" latinLnBrk="0" hangingPunct="1">
@@ -4736,7 +4753,7 @@
             </a:pPr>
             <a:r>
               <a:rPr lang="de-DE" sz="2400" dirty="0"/>
-              <a:t>Vermutliche Begründungen: </a:t>
+              <a:t>Mögliche Begründungen: </a:t>
             </a:r>
           </a:p>
           <a:p>
@@ -4749,6 +4766,12 @@
             <a:r>
               <a:rPr lang="de-DE" sz="2400" dirty="0"/>
               <a:t>Fehler bei der Normalisierung, die Songs unterscheiden sich nicht stark genug voneinander</a:t>
+            </a:r>
+          </a:p>
+          <a:p>
+            <a:r>
+              <a:rPr lang="de-DE" sz="2400" dirty="0"/>
+              <a:t>Song-Empfehlungen auf Grundlage ihrer technischen Analysen sind generell unangebracht</a:t>
             </a:r>
           </a:p>
         </p:txBody>
@@ -5760,7 +5783,7 @@
           <p:nvPr>
             <p:extLst>
               <p:ext uri="{D42A27DB-BD31-4B8C-83A1-F6EECF244321}">
-                <p14:modId xmlns:p14="http://schemas.microsoft.com/office/powerpoint/2010/main" val="3502981991"/>
+                <p14:modId xmlns:p14="http://schemas.microsoft.com/office/powerpoint/2010/main" val="2148811187"/>
               </p:ext>
             </p:extLst>
           </p:nvPr>
@@ -5832,7 +5855,7 @@
                     <a:p>
                       <a:r>
                         <a:rPr lang="de-DE" dirty="0"/>
-                        <a:t>10</a:t>
+                        <a:t>7</a:t>
                       </a:r>
                     </a:p>
                   </a:txBody>
@@ -5845,7 +5868,7 @@
                     <a:p>
                       <a:r>
                         <a:rPr lang="de-DE" dirty="0"/>
-                        <a:t>0.257</a:t>
+                        <a:t>0.295</a:t>
                       </a:r>
                     </a:p>
                   </a:txBody>
@@ -5865,7 +5888,7 @@
                     <a:p>
                       <a:r>
                         <a:rPr lang="de-DE" dirty="0"/>
-                        <a:t>25</a:t>
+                        <a:t>10</a:t>
                       </a:r>
                     </a:p>
                   </a:txBody>
@@ -5878,7 +5901,7 @@
                     <a:p>
                       <a:r>
                         <a:rPr lang="de-DE" dirty="0"/>
-                        <a:t>0.214</a:t>
+                        <a:t>0.257</a:t>
                       </a:r>
                     </a:p>
                   </a:txBody>
@@ -5898,7 +5921,7 @@
                     <a:p>
                       <a:r>
                         <a:rPr lang="de-DE" dirty="0"/>
-                        <a:t>35</a:t>
+                        <a:t>25</a:t>
                       </a:r>
                     </a:p>
                   </a:txBody>
@@ -5911,7 +5934,7 @@
                     <a:p>
                       <a:r>
                         <a:rPr lang="de-DE" dirty="0"/>
-                        <a:t>0.206</a:t>
+                        <a:t>0.222</a:t>
                       </a:r>
                     </a:p>
                   </a:txBody>
@@ -5931,7 +5954,7 @@
                     <a:p>
                       <a:r>
                         <a:rPr lang="de-DE" dirty="0"/>
-                        <a:t>50</a:t>
+                        <a:t>35</a:t>
                       </a:r>
                     </a:p>
                   </a:txBody>
@@ -5944,7 +5967,7 @@
                     <a:p>
                       <a:r>
                         <a:rPr lang="de-DE" dirty="0"/>
-                        <a:t>0.199</a:t>
+                        <a:t>0.206</a:t>
                       </a:r>
                     </a:p>
                   </a:txBody>
@@ -6376,28 +6399,12 @@
           </a:p>
           <a:p>
             <a:r>
-              <a:rPr lang="de-DE" dirty="0" err="1"/>
-              <a:t>random</a:t>
+              <a:rPr lang="de-DE"/>
+              <a:t>Random Forest</a:t>
             </a:r>
             <a:r>
               <a:rPr lang="de-DE" dirty="0"/>
-              <a:t> </a:t>
-            </a:r>
-            <a:r>
-              <a:rPr lang="de-DE" dirty="0" err="1"/>
-              <a:t>forest</a:t>
-            </a:r>
-            <a:r>
-              <a:rPr lang="de-DE" dirty="0"/>
-              <a:t>: keine </a:t>
-            </a:r>
-            <a:r>
-              <a:rPr lang="de-DE" dirty="0" err="1"/>
-              <a:t>aussagekräfitge</a:t>
-            </a:r>
-            <a:r>
-              <a:rPr lang="de-DE" dirty="0"/>
-              <a:t> Parameter</a:t>
+              <a:t>: ebenfalls schwierig aufgrund der fehlenden Rating-Daten</a:t>
             </a:r>
           </a:p>
         </p:txBody>
